--- a/docs/presentations/20210628/slides.pptx
+++ b/docs/presentations/20210628/slides.pptx
@@ -181,7 +181,7 @@
 <file path=ppt/revisionInfo.xml><?xml version="1.0" encoding="utf-8"?>
 <p1510:revInfo xmlns:a="http://schemas.openxmlformats.org/drawingml/2006/main" xmlns:r="http://schemas.openxmlformats.org/officeDocument/2006/relationships" xmlns:p1510="http://schemas.microsoft.com/office/powerpoint/2015/10/main">
   <p1510:revLst>
-    <p1510:client id="{37585BB9-C2A3-49A6-AE98-61830FCDBBE6}" v="425" dt="2021-06-27T21:25:23.621"/>
+    <p1510:client id="{37585BB9-C2A3-49A6-AE98-61830FCDBBE6}" v="426" dt="2021-07-05T10:26:26.437"/>
   </p1510:revLst>
 </p1510:revInfo>
 </file>
@@ -1583,7 +1583,7 @@
   <pc:docChgLst>
     <pc:chgData name="Matthew Suderman" userId="2709995e-3ea8-4fb0-9b62-eb8034dec529" providerId="ADAL" clId="{37585BB9-C2A3-49A6-AE98-61830FCDBBE6}"/>
     <pc:docChg chg="undo redo custSel addSld delSld modSld sldOrd">
-      <pc:chgData name="Matthew Suderman" userId="2709995e-3ea8-4fb0-9b62-eb8034dec529" providerId="ADAL" clId="{37585BB9-C2A3-49A6-AE98-61830FCDBBE6}" dt="2021-06-27T22:00:23.572" v="3815" actId="2696"/>
+      <pc:chgData name="Matthew Suderman" userId="2709995e-3ea8-4fb0-9b62-eb8034dec529" providerId="ADAL" clId="{37585BB9-C2A3-49A6-AE98-61830FCDBBE6}" dt="2021-07-05T11:00:42.438" v="4433" actId="20577"/>
       <pc:docMkLst>
         <pc:docMk/>
       </pc:docMkLst>
@@ -1603,7 +1603,7 @@
         </pc:spChg>
       </pc:sldChg>
       <pc:sldChg chg="addSp delSp modSp mod">
-        <pc:chgData name="Matthew Suderman" userId="2709995e-3ea8-4fb0-9b62-eb8034dec529" providerId="ADAL" clId="{37585BB9-C2A3-49A6-AE98-61830FCDBBE6}" dt="2021-06-27T14:11:10.570" v="436" actId="1076"/>
+        <pc:chgData name="Matthew Suderman" userId="2709995e-3ea8-4fb0-9b62-eb8034dec529" providerId="ADAL" clId="{37585BB9-C2A3-49A6-AE98-61830FCDBBE6}" dt="2021-07-05T10:30:51.127" v="4043" actId="20577"/>
         <pc:sldMkLst>
           <pc:docMk/>
           <pc:sldMk cId="0" sldId="318"/>
@@ -1617,7 +1617,7 @@
           </ac:spMkLst>
         </pc:spChg>
         <pc:spChg chg="add del mod">
-          <ac:chgData name="Matthew Suderman" userId="2709995e-3ea8-4fb0-9b62-eb8034dec529" providerId="ADAL" clId="{37585BB9-C2A3-49A6-AE98-61830FCDBBE6}" dt="2021-06-27T14:11:10.570" v="436" actId="1076"/>
+          <ac:chgData name="Matthew Suderman" userId="2709995e-3ea8-4fb0-9b62-eb8034dec529" providerId="ADAL" clId="{37585BB9-C2A3-49A6-AE98-61830FCDBBE6}" dt="2021-07-05T10:30:51.127" v="4043" actId="20577"/>
           <ac:spMkLst>
             <pc:docMk/>
             <pc:sldMk cId="0" sldId="318"/>
@@ -1625,7 +1625,7 @@
           </ac:spMkLst>
         </pc:spChg>
         <pc:graphicFrameChg chg="mod modGraphic">
-          <ac:chgData name="Matthew Suderman" userId="2709995e-3ea8-4fb0-9b62-eb8034dec529" providerId="ADAL" clId="{37585BB9-C2A3-49A6-AE98-61830FCDBBE6}" dt="2021-06-27T14:10:25.942" v="358" actId="20577"/>
+          <ac:chgData name="Matthew Suderman" userId="2709995e-3ea8-4fb0-9b62-eb8034dec529" providerId="ADAL" clId="{37585BB9-C2A3-49A6-AE98-61830FCDBBE6}" dt="2021-07-05T10:30:07.093" v="4003" actId="20577"/>
           <ac:graphicFrameMkLst>
             <pc:docMk/>
             <pc:sldMk cId="0" sldId="318"/>
@@ -1746,7 +1746,7 @@
         </pc:spChg>
       </pc:sldChg>
       <pc:sldChg chg="modSp new mod">
-        <pc:chgData name="Matthew Suderman" userId="2709995e-3ea8-4fb0-9b62-eb8034dec529" providerId="ADAL" clId="{37585BB9-C2A3-49A6-AE98-61830FCDBBE6}" dt="2021-06-27T21:48:17.321" v="3756" actId="1076"/>
+        <pc:chgData name="Matthew Suderman" userId="2709995e-3ea8-4fb0-9b62-eb8034dec529" providerId="ADAL" clId="{37585BB9-C2A3-49A6-AE98-61830FCDBBE6}" dt="2021-07-05T10:59:16.591" v="4323" actId="20577"/>
         <pc:sldMkLst>
           <pc:docMk/>
           <pc:sldMk cId="309696368" sldId="330"/>
@@ -1760,7 +1760,7 @@
           </ac:spMkLst>
         </pc:spChg>
         <pc:spChg chg="mod">
-          <ac:chgData name="Matthew Suderman" userId="2709995e-3ea8-4fb0-9b62-eb8034dec529" providerId="ADAL" clId="{37585BB9-C2A3-49A6-AE98-61830FCDBBE6}" dt="2021-06-27T21:48:17.321" v="3756" actId="1076"/>
+          <ac:chgData name="Matthew Suderman" userId="2709995e-3ea8-4fb0-9b62-eb8034dec529" providerId="ADAL" clId="{37585BB9-C2A3-49A6-AE98-61830FCDBBE6}" dt="2021-07-05T10:59:16.591" v="4323" actId="20577"/>
           <ac:spMkLst>
             <pc:docMk/>
             <pc:sldMk cId="309696368" sldId="330"/>
@@ -1776,7 +1776,7 @@
         </pc:sldMkLst>
       </pc:sldChg>
       <pc:sldChg chg="modSp add mod">
-        <pc:chgData name="Matthew Suderman" userId="2709995e-3ea8-4fb0-9b62-eb8034dec529" providerId="ADAL" clId="{37585BB9-C2A3-49A6-AE98-61830FCDBBE6}" dt="2021-06-27T21:48:31.838" v="3758" actId="1076"/>
+        <pc:chgData name="Matthew Suderman" userId="2709995e-3ea8-4fb0-9b62-eb8034dec529" providerId="ADAL" clId="{37585BB9-C2A3-49A6-AE98-61830FCDBBE6}" dt="2021-07-05T10:57:02.569" v="4116" actId="20577"/>
         <pc:sldMkLst>
           <pc:docMk/>
           <pc:sldMk cId="2769068046" sldId="331"/>
@@ -1790,7 +1790,7 @@
           </ac:spMkLst>
         </pc:spChg>
         <pc:spChg chg="mod">
-          <ac:chgData name="Matthew Suderman" userId="2709995e-3ea8-4fb0-9b62-eb8034dec529" providerId="ADAL" clId="{37585BB9-C2A3-49A6-AE98-61830FCDBBE6}" dt="2021-06-27T21:48:31.838" v="3758" actId="1076"/>
+          <ac:chgData name="Matthew Suderman" userId="2709995e-3ea8-4fb0-9b62-eb8034dec529" providerId="ADAL" clId="{37585BB9-C2A3-49A6-AE98-61830FCDBBE6}" dt="2021-07-05T10:57:02.569" v="4116" actId="20577"/>
           <ac:spMkLst>
             <pc:docMk/>
             <pc:sldMk cId="2769068046" sldId="331"/>
@@ -1866,13 +1866,13 @@
         </pc:sldMkLst>
       </pc:sldChg>
       <pc:sldChg chg="addSp modSp new mod ord">
-        <pc:chgData name="Matthew Suderman" userId="2709995e-3ea8-4fb0-9b62-eb8034dec529" providerId="ADAL" clId="{37585BB9-C2A3-49A6-AE98-61830FCDBBE6}" dt="2021-06-27T21:48:05.009" v="3755"/>
+        <pc:chgData name="Matthew Suderman" userId="2709995e-3ea8-4fb0-9b62-eb8034dec529" providerId="ADAL" clId="{37585BB9-C2A3-49A6-AE98-61830FCDBBE6}" dt="2021-07-05T11:00:42.438" v="4433" actId="20577"/>
         <pc:sldMkLst>
           <pc:docMk/>
           <pc:sldMk cId="2545536960" sldId="334"/>
         </pc:sldMkLst>
         <pc:spChg chg="mod">
-          <ac:chgData name="Matthew Suderman" userId="2709995e-3ea8-4fb0-9b62-eb8034dec529" providerId="ADAL" clId="{37585BB9-C2A3-49A6-AE98-61830FCDBBE6}" dt="2021-06-27T21:40:58.317" v="3208" actId="20577"/>
+          <ac:chgData name="Matthew Suderman" userId="2709995e-3ea8-4fb0-9b62-eb8034dec529" providerId="ADAL" clId="{37585BB9-C2A3-49A6-AE98-61830FCDBBE6}" dt="2021-07-05T11:00:42.438" v="4433" actId="20577"/>
           <ac:spMkLst>
             <pc:docMk/>
             <pc:sldMk cId="2545536960" sldId="334"/>
@@ -1880,7 +1880,7 @@
           </ac:spMkLst>
         </pc:spChg>
         <pc:spChg chg="mod">
-          <ac:chgData name="Matthew Suderman" userId="2709995e-3ea8-4fb0-9b62-eb8034dec529" providerId="ADAL" clId="{37585BB9-C2A3-49A6-AE98-61830FCDBBE6}" dt="2021-06-27T21:47:30.064" v="3753" actId="20577"/>
+          <ac:chgData name="Matthew Suderman" userId="2709995e-3ea8-4fb0-9b62-eb8034dec529" providerId="ADAL" clId="{37585BB9-C2A3-49A6-AE98-61830FCDBBE6}" dt="2021-07-05T11:00:20.037" v="4412" actId="20577"/>
           <ac:spMkLst>
             <pc:docMk/>
             <pc:sldMk cId="2545536960" sldId="334"/>
@@ -5182,7 +5182,7 @@
             <p:ph idx="1"/>
             <p:extLst>
               <p:ext uri="{D42A27DB-BD31-4B8C-83A1-F6EECF244321}">
-                <p14:modId xmlns:p14="http://schemas.microsoft.com/office/powerpoint/2010/main" val="1127047240"/>
+                <p14:modId xmlns:p14="http://schemas.microsoft.com/office/powerpoint/2010/main" val="587937442"/>
               </p:ext>
             </p:extLst>
           </p:nvPr>
@@ -5399,14 +5399,54 @@
                     <a:p>
                       <a:pPr algn="l" fontAlgn="b"/>
                       <a:r>
-                        <a:rPr lang="en-US" sz="1600" b="0" i="0" u="none" strike="noStrike">
+                        <a:rPr lang="en-US" sz="1600" b="0" i="0" u="none" strike="noStrike" dirty="0">
                           <a:solidFill>
                             <a:srgbClr val="000000"/>
                           </a:solidFill>
                           <a:effectLst/>
                           <a:latin typeface="Calibri" panose="020F0502020204030204" pitchFamily="34" charset="0"/>
                         </a:rPr>
-                        <a:t>5850 variably methylated regions, of which 70% GxE, 17.7% G, 12.3% G+E, 0.03% E</a:t>
+                        <a:t>5850 variably methylated regions</a:t>
+                      </a:r>
+                      <a:r>
+                        <a:rPr lang="en-US" sz="1600" b="0" i="0" u="none" strike="noStrike" baseline="30000" dirty="0">
+                          <a:solidFill>
+                            <a:srgbClr val="000000"/>
+                          </a:solidFill>
+                          <a:effectLst/>
+                          <a:latin typeface="Calibri" panose="020F0502020204030204" pitchFamily="34" charset="0"/>
+                        </a:rPr>
+                        <a:t>1</a:t>
+                      </a:r>
+                      <a:r>
+                        <a:rPr lang="en-US" sz="1600" b="0" i="0" u="none" strike="noStrike" dirty="0">
+                          <a:solidFill>
+                            <a:srgbClr val="000000"/>
+                          </a:solidFill>
+                          <a:effectLst/>
+                          <a:latin typeface="Calibri" panose="020F0502020204030204" pitchFamily="34" charset="0"/>
+                        </a:rPr>
+                        <a:t>, of which 70% </a:t>
+                      </a:r>
+                      <a:r>
+                        <a:rPr lang="en-US" sz="1600" b="0" i="0" u="none" strike="noStrike" dirty="0" err="1">
+                          <a:solidFill>
+                            <a:srgbClr val="000000"/>
+                          </a:solidFill>
+                          <a:effectLst/>
+                          <a:latin typeface="Calibri" panose="020F0502020204030204" pitchFamily="34" charset="0"/>
+                        </a:rPr>
+                        <a:t>GxE</a:t>
+                      </a:r>
+                      <a:r>
+                        <a:rPr lang="en-US" sz="1600" b="0" i="0" u="none" strike="noStrike" dirty="0">
+                          <a:solidFill>
+                            <a:srgbClr val="000000"/>
+                          </a:solidFill>
+                          <a:effectLst/>
+                          <a:latin typeface="Calibri" panose="020F0502020204030204" pitchFamily="34" charset="0"/>
+                        </a:rPr>
+                        <a:t>, 17.7% G, 12.3% G+E, 0.03% E ‘best explanation’</a:t>
                       </a:r>
                     </a:p>
                   </a:txBody>
@@ -5506,7 +5546,7 @@
                     <a:p>
                       <a:pPr algn="l" fontAlgn="b"/>
                       <a:r>
-                        <a:rPr lang="en-US" sz="1600" b="0" i="0" u="none" strike="noStrike">
+                        <a:rPr lang="en-US" sz="1600" b="0" i="0" u="none" strike="noStrike" dirty="0">
                           <a:solidFill>
                             <a:srgbClr val="000000"/>
                           </a:solidFill>
@@ -5613,14 +5653,14 @@
                     <a:p>
                       <a:pPr algn="l" fontAlgn="b"/>
                       <a:r>
-                        <a:rPr lang="en-US" sz="1600" b="0" i="0" u="none" strike="noStrike">
+                        <a:rPr lang="en-US" sz="1600" b="0" i="0" u="none" strike="noStrike" dirty="0">
                           <a:solidFill>
                             <a:srgbClr val="000000"/>
                           </a:solidFill>
                           <a:effectLst/>
                           <a:latin typeface="Calibri" panose="020F0502020204030204" pitchFamily="34" charset="0"/>
                         </a:rPr>
-                        <a:t>47 (76% of TL at baseline) and 31 (72% of TL at age 4.5)</a:t>
+                        <a:t>47 (76% of var(TL) at baseline) and 31 (72% of var(TL) at age 4.5)</a:t>
                       </a:r>
                     </a:p>
                   </a:txBody>
@@ -5756,7 +5796,7 @@
                           <a:effectLst/>
                           <a:latin typeface="Calibri" panose="020F0502020204030204" pitchFamily="34" charset="0"/>
                         </a:rPr>
-                        <a:t>1</a:t>
+                        <a:t>2</a:t>
                       </a:r>
                       <a:r>
                         <a:rPr lang="en-US" sz="1600" b="0" i="0" u="none" strike="noStrike" dirty="0">
@@ -5797,7 +5837,7 @@
         <p:spPr>
           <a:xfrm>
             <a:off x="911424" y="3861048"/>
-            <a:ext cx="9649073" cy="584775"/>
+            <a:ext cx="9649073" cy="995144"/>
           </a:xfrm>
           <a:prstGeom prst="rect">
             <a:avLst/>
@@ -5812,15 +5852,44 @@
           <a:p>
             <a:pPr algn="l"/>
             <a:r>
-              <a:rPr lang="en-GB" sz="1600" b="0" i="0" u="none" strike="noStrike" baseline="30000" dirty="0">
+              <a:rPr lang="en-GB" sz="1600" baseline="30000" dirty="0">
                 <a:solidFill>
                   <a:srgbClr val="000000"/>
                 </a:solidFill>
-                <a:effectLst/>
                 <a:latin typeface="Calibri" panose="020F0502020204030204" pitchFamily="34" charset="0"/>
                 <a:cs typeface="Calibri" panose="020F0502020204030204" pitchFamily="34" charset="0"/>
               </a:rPr>
               <a:t>1</a:t>
+            </a:r>
+            <a:r>
+              <a:rPr lang="en-US" sz="1600" dirty="0">
+                <a:latin typeface="Calibri" panose="020F0502020204030204" pitchFamily="34" charset="0"/>
+                <a:cs typeface="Calibri" panose="020F0502020204030204" pitchFamily="34" charset="0"/>
+              </a:rPr>
+              <a:t>not really an EWAS of variation: VMR=cluster of CpG sites with top 10% MAD</a:t>
+            </a:r>
+          </a:p>
+          <a:p>
+            <a:pPr algn="l"/>
+            <a:endParaRPr lang="en-GB" sz="1600" baseline="30000" dirty="0">
+              <a:solidFill>
+                <a:srgbClr val="000000"/>
+              </a:solidFill>
+              <a:latin typeface="Calibri" panose="020F0502020204030204" pitchFamily="34" charset="0"/>
+              <a:cs typeface="Calibri" panose="020F0502020204030204" pitchFamily="34" charset="0"/>
+            </a:endParaRPr>
+          </a:p>
+          <a:p>
+            <a:pPr algn="l"/>
+            <a:r>
+              <a:rPr lang="en-GB" sz="1600" baseline="30000" dirty="0">
+                <a:solidFill>
+                  <a:srgbClr val="000000"/>
+                </a:solidFill>
+                <a:latin typeface="Calibri" panose="020F0502020204030204" pitchFamily="34" charset="0"/>
+                <a:cs typeface="Calibri" panose="020F0502020204030204" pitchFamily="34" charset="0"/>
+              </a:rPr>
+              <a:t>2</a:t>
             </a:r>
             <a:r>
               <a:rPr lang="en-US" sz="1600" dirty="0">
@@ -6940,7 +7009,15 @@
             </a:pPr>
             <a:r>
               <a:rPr lang="en-US" dirty="0"/>
-              <a:t>Solution</a:t>
+              <a:t>Solution (same approach as </a:t>
+            </a:r>
+            <a:r>
+              <a:rPr lang="en-US" dirty="0" err="1"/>
+              <a:t>GoSeq</a:t>
+            </a:r>
+            <a:r>
+              <a:rPr lang="en-US" dirty="0"/>
+              <a:t> for RNA-seq)</a:t>
             </a:r>
           </a:p>
           <a:p>
@@ -6964,7 +7041,14 @@
             </a:r>
             <a:r>
               <a:rPr lang="en-US" dirty="0"/>
-              <a:t> noncentral hypergeometric test</a:t>
+              <a:t> noncentral hypergeometric test </a:t>
+            </a:r>
+            <a:br>
+              <a:rPr lang="en-US" dirty="0"/>
+            </a:br>
+            <a:r>
+              <a:rPr lang="en-US" dirty="0"/>
+              <a:t>                         (approximates enrichment but random sampling better)</a:t>
             </a:r>
           </a:p>
           <a:p>
@@ -7216,29 +7300,6 @@
             </a:r>
           </a:p>
           <a:p>
-            <a:pPr marL="457200" indent="-457200">
-              <a:buAutoNum type="arabicPeriod"/>
-            </a:pPr>
-            <a:endParaRPr lang="en-US" dirty="0"/>
-          </a:p>
-          <a:p>
-            <a:pPr marL="0" indent="0">
-              <a:buNone/>
-            </a:pPr>
-            <a:r>
-              <a:rPr lang="en-US" dirty="0"/>
-              <a:t>Inspired by </a:t>
-            </a:r>
-            <a:r>
-              <a:rPr lang="en-US" dirty="0" err="1"/>
-              <a:t>GOSeq</a:t>
-            </a:r>
-            <a:r>
-              <a:rPr lang="en-US" dirty="0"/>
-              <a:t> but not compared.</a:t>
-            </a:r>
-          </a:p>
-          <a:p>
             <a:pPr marL="0" indent="0">
               <a:buNone/>
             </a:pPr>
@@ -7327,7 +7388,7 @@
           <a:p>
             <a:r>
               <a:rPr lang="en-CA" dirty="0"/>
-              <a:t>Inverse probability weighting</a:t>
+              <a:t>Selection bias and inverse probability weighting</a:t>
             </a:r>
             <a:endParaRPr lang="en-US" dirty="0"/>
           </a:p>
@@ -7349,7 +7410,12 @@
             <p:ph idx="1"/>
           </p:nvPr>
         </p:nvSpPr>
-        <p:spPr/>
+        <p:spPr>
+          <a:xfrm>
+            <a:off x="609600" y="1484784"/>
+            <a:ext cx="10871200" cy="4984416"/>
+          </a:xfrm>
+        </p:spPr>
         <p:txBody>
           <a:bodyPr/>
           <a:lstStyle/>
@@ -7382,15 +7448,7 @@
             </a:pPr>
             <a:r>
               <a:rPr lang="en-US" dirty="0"/>
-              <a:t>N=114 adolescents with </a:t>
-            </a:r>
-            <a:r>
-              <a:rPr lang="en-US" dirty="0" err="1"/>
-              <a:t>DNAm</a:t>
-            </a:r>
-            <a:r>
-              <a:rPr lang="en-US" dirty="0"/>
-              <a:t> profiles</a:t>
+              <a:t>IPW = weight observations by inverse probability of selection</a:t>
             </a:r>
           </a:p>
           <a:p>
@@ -7398,6 +7456,23 @@
               <a:buNone/>
             </a:pPr>
             <a:endParaRPr lang="en-US" dirty="0"/>
+          </a:p>
+          <a:p>
+            <a:pPr marL="0" indent="0">
+              <a:buNone/>
+            </a:pPr>
+            <a:r>
+              <a:rPr lang="en-US" dirty="0"/>
+              <a:t>N=114 adolescents with </a:t>
+            </a:r>
+            <a:r>
+              <a:rPr lang="en-US" dirty="0" err="1"/>
+              <a:t>DNAm</a:t>
+            </a:r>
+            <a:r>
+              <a:rPr lang="en-US" dirty="0"/>
+              <a:t> profiles</a:t>
+            </a:r>
           </a:p>
           <a:p>
             <a:pPr marL="0" indent="0">
@@ -10617,18 +10692,18 @@
 </file>
 
 <file path=customXml/item2.xml><?xml version="1.0" encoding="utf-8"?>
-<p:properties xmlns:p="http://schemas.microsoft.com/office/2006/metadata/properties" xmlns:xsi="http://www.w3.org/2001/XMLSchema-instance" xmlns:pc="http://schemas.microsoft.com/office/infopath/2007/PartnerControls">
-  <documentManagement/>
-</p:properties>
-</file>
-
-<file path=customXml/item3.xml><?xml version="1.0" encoding="utf-8"?>
 <?mso-contentType ?>
 <FormTemplates xmlns="http://schemas.microsoft.com/sharepoint/v3/contenttype/forms">
   <Display>DocumentLibraryForm</Display>
   <Edit>DocumentLibraryForm</Edit>
   <New>DocumentLibraryForm</New>
 </FormTemplates>
+</file>
+
+<file path=customXml/item3.xml><?xml version="1.0" encoding="utf-8"?>
+<p:properties xmlns:p="http://schemas.microsoft.com/office/2006/metadata/properties" xmlns:xsi="http://www.w3.org/2001/XMLSchema-instance" xmlns:pc="http://schemas.microsoft.com/office/infopath/2007/PartnerControls">
+  <documentManagement/>
+</p:properties>
 </file>
 
 <file path=customXml/itemProps1.xml><?xml version="1.0" encoding="utf-8"?>
@@ -10650,18 +10725,18 @@
 </file>
 
 <file path=customXml/itemProps2.xml><?xml version="1.0" encoding="utf-8"?>
+<ds:datastoreItem xmlns:ds="http://schemas.openxmlformats.org/officeDocument/2006/customXml" ds:itemID="{3AA12886-63C9-4300-8B68-1ADB4934159B}">
+  <ds:schemaRefs>
+    <ds:schemaRef ds:uri="http://schemas.microsoft.com/sharepoint/v3/contenttype/forms"/>
+  </ds:schemaRefs>
+</ds:datastoreItem>
+</file>
+
+<file path=customXml/itemProps3.xml><?xml version="1.0" encoding="utf-8"?>
 <ds:datastoreItem xmlns:ds="http://schemas.openxmlformats.org/officeDocument/2006/customXml" ds:itemID="{958A2EA8-4641-42F6-A17F-431287DED999}">
   <ds:schemaRefs>
     <ds:schemaRef ds:uri="http://schemas.microsoft.com/office/2006/metadata/properties"/>
     <ds:schemaRef ds:uri="http://schemas.microsoft.com/office/infopath/2007/PartnerControls"/>
   </ds:schemaRefs>
 </ds:datastoreItem>
-</file>
-
-<file path=customXml/itemProps3.xml><?xml version="1.0" encoding="utf-8"?>
-<ds:datastoreItem xmlns:ds="http://schemas.openxmlformats.org/officeDocument/2006/customXml" ds:itemID="{3AA12886-63C9-4300-8B68-1ADB4934159B}">
-  <ds:schemaRefs>
-    <ds:schemaRef ds:uri="http://schemas.microsoft.com/sharepoint/v3/contenttype/forms"/>
-  </ds:schemaRefs>
-</ds:datastoreItem>
 </file>